--- a/docs/songs/who you say i am.pptx
+++ b/docs/songs/who you say i am.pptx
@@ -5,7 +5,7 @@
     <p:sldMasterId id="2147483648" r:id="rId1"/>
   </p:sldMasterIdLst>
   <p:notesMasterIdLst>
-    <p:notesMasterId r:id="rId9"/>
+    <p:notesMasterId r:id="rId11"/>
   </p:notesMasterIdLst>
   <p:sldIdLst>
     <p:sldId id="1085" r:id="rId2"/>
@@ -15,6 +15,8 @@
     <p:sldId id="1091" r:id="rId6"/>
     <p:sldId id="1089" r:id="rId7"/>
     <p:sldId id="1090" r:id="rId8"/>
+    <p:sldId id="1092" r:id="rId9"/>
+    <p:sldId id="1093" r:id="rId10"/>
   </p:sldIdLst>
   <p:sldSz cx="9144000" cy="6858000" type="screen4x3"/>
   <p:notesSz cx="6858000" cy="9144000"/>
@@ -214,7 +216,7 @@
           <a:p>
             <a:fld id="{C57EAEFC-A9C7-464E-BE3F-33D4DD72E122}" type="datetimeFigureOut">
               <a:rPr lang="en-GB" smtClean="0"/>
-              <a:t>24/02/2024</a:t>
+              <a:t>17/03/2025</a:t>
             </a:fld>
             <a:endParaRPr lang="en-GB"/>
           </a:p>
@@ -664,7 +666,7 @@
             <a:fld id="{26EA1CF3-4A15-4CBF-9A5A-6A56C368BE71}" type="datetimeFigureOut">
               <a:rPr lang="en-GB" smtClean="0"/>
               <a:pPr/>
-              <a:t>24/02/2024</a:t>
+              <a:t>17/03/2025</a:t>
             </a:fld>
             <a:endParaRPr lang="en-GB"/>
           </a:p>
@@ -831,7 +833,7 @@
             <a:fld id="{26EA1CF3-4A15-4CBF-9A5A-6A56C368BE71}" type="datetimeFigureOut">
               <a:rPr lang="en-GB" smtClean="0"/>
               <a:pPr/>
-              <a:t>24/02/2024</a:t>
+              <a:t>17/03/2025</a:t>
             </a:fld>
             <a:endParaRPr lang="en-GB"/>
           </a:p>
@@ -1008,7 +1010,7 @@
             <a:fld id="{26EA1CF3-4A15-4CBF-9A5A-6A56C368BE71}" type="datetimeFigureOut">
               <a:rPr lang="en-GB" smtClean="0"/>
               <a:pPr/>
-              <a:t>24/02/2024</a:t>
+              <a:t>17/03/2025</a:t>
             </a:fld>
             <a:endParaRPr lang="en-GB"/>
           </a:p>
@@ -1175,7 +1177,7 @@
             <a:fld id="{26EA1CF3-4A15-4CBF-9A5A-6A56C368BE71}" type="datetimeFigureOut">
               <a:rPr lang="en-GB" smtClean="0"/>
               <a:pPr/>
-              <a:t>24/02/2024</a:t>
+              <a:t>17/03/2025</a:t>
             </a:fld>
             <a:endParaRPr lang="en-GB"/>
           </a:p>
@@ -1418,7 +1420,7 @@
             <a:fld id="{26EA1CF3-4A15-4CBF-9A5A-6A56C368BE71}" type="datetimeFigureOut">
               <a:rPr lang="en-GB" smtClean="0"/>
               <a:pPr/>
-              <a:t>24/02/2024</a:t>
+              <a:t>17/03/2025</a:t>
             </a:fld>
             <a:endParaRPr lang="en-GB"/>
           </a:p>
@@ -1703,7 +1705,7 @@
             <a:fld id="{26EA1CF3-4A15-4CBF-9A5A-6A56C368BE71}" type="datetimeFigureOut">
               <a:rPr lang="en-GB" smtClean="0"/>
               <a:pPr/>
-              <a:t>24/02/2024</a:t>
+              <a:t>17/03/2025</a:t>
             </a:fld>
             <a:endParaRPr lang="en-GB"/>
           </a:p>
@@ -2122,7 +2124,7 @@
             <a:fld id="{26EA1CF3-4A15-4CBF-9A5A-6A56C368BE71}" type="datetimeFigureOut">
               <a:rPr lang="en-GB" smtClean="0"/>
               <a:pPr/>
-              <a:t>24/02/2024</a:t>
+              <a:t>17/03/2025</a:t>
             </a:fld>
             <a:endParaRPr lang="en-GB"/>
           </a:p>
@@ -2237,7 +2239,7 @@
             <a:fld id="{26EA1CF3-4A15-4CBF-9A5A-6A56C368BE71}" type="datetimeFigureOut">
               <a:rPr lang="en-GB" smtClean="0"/>
               <a:pPr/>
-              <a:t>24/02/2024</a:t>
+              <a:t>17/03/2025</a:t>
             </a:fld>
             <a:endParaRPr lang="en-GB"/>
           </a:p>
@@ -2329,7 +2331,7 @@
             <a:fld id="{26EA1CF3-4A15-4CBF-9A5A-6A56C368BE71}" type="datetimeFigureOut">
               <a:rPr lang="en-GB" smtClean="0"/>
               <a:pPr/>
-              <a:t>24/02/2024</a:t>
+              <a:t>17/03/2025</a:t>
             </a:fld>
             <a:endParaRPr lang="en-GB"/>
           </a:p>
@@ -2603,7 +2605,7 @@
             <a:fld id="{26EA1CF3-4A15-4CBF-9A5A-6A56C368BE71}" type="datetimeFigureOut">
               <a:rPr lang="en-GB" smtClean="0"/>
               <a:pPr/>
-              <a:t>24/02/2024</a:t>
+              <a:t>17/03/2025</a:t>
             </a:fld>
             <a:endParaRPr lang="en-GB"/>
           </a:p>
@@ -2853,7 +2855,7 @@
             <a:fld id="{26EA1CF3-4A15-4CBF-9A5A-6A56C368BE71}" type="datetimeFigureOut">
               <a:rPr lang="en-GB" smtClean="0"/>
               <a:pPr/>
-              <a:t>24/02/2024</a:t>
+              <a:t>17/03/2025</a:t>
             </a:fld>
             <a:endParaRPr lang="en-GB"/>
           </a:p>
@@ -3062,7 +3064,7 @@
             <a:fld id="{26EA1CF3-4A15-4CBF-9A5A-6A56C368BE71}" type="datetimeFigureOut">
               <a:rPr lang="en-GB" smtClean="0"/>
               <a:pPr/>
-              <a:t>24/02/2024</a:t>
+              <a:t>17/03/2025</a:t>
             </a:fld>
             <a:endParaRPr lang="en-GB"/>
           </a:p>
@@ -3819,7 +3821,7 @@
                   <a:schemeClr val="bg1"/>
                 </a:solidFill>
               </a:rPr>
-              <a:t>1/6</a:t>
+              <a:t>1/8</a:t>
             </a:r>
           </a:p>
         </p:txBody>
@@ -3945,7 +3947,7 @@
                   <a:schemeClr val="bg1"/>
                 </a:solidFill>
               </a:rPr>
-              <a:t>2/6</a:t>
+              <a:t>2/8</a:t>
             </a:r>
           </a:p>
         </p:txBody>
@@ -4091,7 +4093,7 @@
                   <a:schemeClr val="bg1"/>
                 </a:solidFill>
               </a:rPr>
-              <a:t>3/6</a:t>
+              <a:t>3/8</a:t>
             </a:r>
           </a:p>
         </p:txBody>
@@ -4242,7 +4244,7 @@
                   <a:schemeClr val="bg1"/>
                 </a:solidFill>
               </a:rPr>
-              <a:t>4/6</a:t>
+              <a:t>4/8</a:t>
             </a:r>
           </a:p>
         </p:txBody>
@@ -4368,7 +4370,7 @@
                   <a:schemeClr val="bg1"/>
                 </a:solidFill>
               </a:rPr>
-              <a:t>5/6</a:t>
+              <a:t>5/8</a:t>
             </a:r>
           </a:p>
         </p:txBody>
@@ -4512,7 +4514,7 @@
                   <a:schemeClr val="bg1"/>
                 </a:solidFill>
               </a:rPr>
-              <a:t>6/6</a:t>
+              <a:t>6/8</a:t>
             </a:r>
           </a:p>
         </p:txBody>
@@ -4521,6 +4523,301 @@
     <p:extLst>
       <p:ext uri="{BB962C8B-B14F-4D97-AF65-F5344CB8AC3E}">
         <p14:creationId xmlns:p14="http://schemas.microsoft.com/office/powerpoint/2010/main" val="1005572491"/>
+      </p:ext>
+    </p:extLst>
+  </p:cSld>
+  <p:clrMapOvr>
+    <a:masterClrMapping/>
+  </p:clrMapOvr>
+</p:sld>
+</file>
+
+<file path=ppt/slides/slide8.xml><?xml version="1.0" encoding="utf-8"?>
+<p:sld xmlns:a="http://schemas.openxmlformats.org/drawingml/2006/main" xmlns:r="http://schemas.openxmlformats.org/officeDocument/2006/relationships" xmlns:p="http://schemas.openxmlformats.org/presentationml/2006/main">
+  <p:cSld>
+    <p:spTree>
+      <p:nvGrpSpPr>
+        <p:cNvPr id="1" name="">
+          <a:extLst>
+            <a:ext uri="{FF2B5EF4-FFF2-40B4-BE49-F238E27FC236}">
+              <a16:creationId xmlns:a16="http://schemas.microsoft.com/office/drawing/2014/main" id="{5D2610D0-2CA6-8A39-5C22-0B86272A08E9}"/>
+            </a:ext>
+          </a:extLst>
+        </p:cNvPr>
+        <p:cNvGrpSpPr/>
+        <p:nvPr/>
+      </p:nvGrpSpPr>
+      <p:grpSpPr>
+        <a:xfrm>
+          <a:off x="0" y="0"/>
+          <a:ext cx="0" cy="0"/>
+          <a:chOff x="0" y="0"/>
+          <a:chExt cx="0" cy="0"/>
+        </a:xfrm>
+      </p:grpSpPr>
+      <p:sp>
+        <p:nvSpPr>
+          <p:cNvPr id="3" name="Subtitle 2">
+            <a:extLst>
+              <a:ext uri="{FF2B5EF4-FFF2-40B4-BE49-F238E27FC236}">
+                <a16:creationId xmlns:a16="http://schemas.microsoft.com/office/drawing/2014/main" id="{1AD3404E-69E1-D8CA-6A02-E734C921AF03}"/>
+              </a:ext>
+            </a:extLst>
+          </p:cNvPr>
+          <p:cNvSpPr>
+            <a:spLocks noGrp="1"/>
+          </p:cNvSpPr>
+          <p:nvPr>
+            <p:ph type="subTitle" idx="1"/>
+          </p:nvPr>
+        </p:nvSpPr>
+        <p:spPr>
+          <a:xfrm>
+            <a:off x="251520" y="764704"/>
+            <a:ext cx="8640960" cy="6480720"/>
+          </a:xfrm>
+        </p:spPr>
+        <p:txBody>
+          <a:bodyPr>
+            <a:noAutofit/>
+          </a:bodyPr>
+          <a:lstStyle/>
+          <a:p>
+            <a:r>
+              <a:rPr lang="en-GB" sz="4000" dirty="0">
+                <a:solidFill>
+                  <a:schemeClr val="bg1"/>
+                </a:solidFill>
+              </a:rPr>
+              <a:t>Who the Son sets free</a:t>
+            </a:r>
+          </a:p>
+          <a:p>
+            <a:r>
+              <a:rPr lang="en-GB" sz="4000" dirty="0">
+                <a:solidFill>
+                  <a:schemeClr val="bg1"/>
+                </a:solidFill>
+              </a:rPr>
+              <a:t>Oh is free indeed</a:t>
+            </a:r>
+          </a:p>
+          <a:p>
+            <a:r>
+              <a:rPr lang="en-GB" sz="4000" dirty="0">
+                <a:solidFill>
+                  <a:schemeClr val="bg1"/>
+                </a:solidFill>
+              </a:rPr>
+              <a:t>I'm a child of God</a:t>
+            </a:r>
+          </a:p>
+          <a:p>
+            <a:r>
+              <a:rPr lang="en-GB" sz="4000" dirty="0">
+                <a:solidFill>
+                  <a:schemeClr val="bg1"/>
+                </a:solidFill>
+              </a:rPr>
+              <a:t>Yes I am</a:t>
+            </a:r>
+          </a:p>
+          <a:p>
+            <a:endParaRPr lang="en-GB" sz="4000" dirty="0">
+              <a:solidFill>
+                <a:schemeClr val="bg1"/>
+              </a:solidFill>
+            </a:endParaRPr>
+          </a:p>
+        </p:txBody>
+      </p:sp>
+      <p:sp>
+        <p:nvSpPr>
+          <p:cNvPr id="4" name="TextBox 3">
+            <a:extLst>
+              <a:ext uri="{FF2B5EF4-FFF2-40B4-BE49-F238E27FC236}">
+                <a16:creationId xmlns:a16="http://schemas.microsoft.com/office/drawing/2014/main" id="{6AB77A19-7960-2EA3-49E5-2F7EDDE14C00}"/>
+              </a:ext>
+            </a:extLst>
+          </p:cNvPr>
+          <p:cNvSpPr txBox="1"/>
+          <p:nvPr/>
+        </p:nvSpPr>
+        <p:spPr>
+          <a:xfrm>
+            <a:off x="8529729" y="0"/>
+            <a:ext cx="628698" cy="461665"/>
+          </a:xfrm>
+          <a:prstGeom prst="rect">
+            <a:avLst/>
+          </a:prstGeom>
+          <a:noFill/>
+        </p:spPr>
+        <p:txBody>
+          <a:bodyPr wrap="none" rtlCol="0">
+            <a:spAutoFit/>
+          </a:bodyPr>
+          <a:lstStyle/>
+          <a:p>
+            <a:r>
+              <a:rPr lang="en-GB" sz="2400" b="1" dirty="0">
+                <a:solidFill>
+                  <a:schemeClr val="bg1"/>
+                </a:solidFill>
+              </a:rPr>
+              <a:t>7/8</a:t>
+            </a:r>
+          </a:p>
+        </p:txBody>
+      </p:sp>
+    </p:spTree>
+    <p:extLst>
+      <p:ext uri="{BB962C8B-B14F-4D97-AF65-F5344CB8AC3E}">
+        <p14:creationId xmlns:p14="http://schemas.microsoft.com/office/powerpoint/2010/main" val="1131009377"/>
+      </p:ext>
+    </p:extLst>
+  </p:cSld>
+  <p:clrMapOvr>
+    <a:masterClrMapping/>
+  </p:clrMapOvr>
+</p:sld>
+</file>
+
+<file path=ppt/slides/slide9.xml><?xml version="1.0" encoding="utf-8"?>
+<p:sld xmlns:a="http://schemas.openxmlformats.org/drawingml/2006/main" xmlns:r="http://schemas.openxmlformats.org/officeDocument/2006/relationships" xmlns:p="http://schemas.openxmlformats.org/presentationml/2006/main">
+  <p:cSld>
+    <p:spTree>
+      <p:nvGrpSpPr>
+        <p:cNvPr id="1" name="">
+          <a:extLst>
+            <a:ext uri="{FF2B5EF4-FFF2-40B4-BE49-F238E27FC236}">
+              <a16:creationId xmlns:a16="http://schemas.microsoft.com/office/drawing/2014/main" id="{A7B916FA-1FA1-CE87-1BF6-A49CC2FE5EAE}"/>
+            </a:ext>
+          </a:extLst>
+        </p:cNvPr>
+        <p:cNvGrpSpPr/>
+        <p:nvPr/>
+      </p:nvGrpSpPr>
+      <p:grpSpPr>
+        <a:xfrm>
+          <a:off x="0" y="0"/>
+          <a:ext cx="0" cy="0"/>
+          <a:chOff x="0" y="0"/>
+          <a:chExt cx="0" cy="0"/>
+        </a:xfrm>
+      </p:grpSpPr>
+      <p:sp>
+        <p:nvSpPr>
+          <p:cNvPr id="3" name="Subtitle 2">
+            <a:extLst>
+              <a:ext uri="{FF2B5EF4-FFF2-40B4-BE49-F238E27FC236}">
+                <a16:creationId xmlns:a16="http://schemas.microsoft.com/office/drawing/2014/main" id="{84832738-27A6-8CF3-117C-3A1AD06FBD7C}"/>
+              </a:ext>
+            </a:extLst>
+          </p:cNvPr>
+          <p:cNvSpPr>
+            <a:spLocks noGrp="1"/>
+          </p:cNvSpPr>
+          <p:nvPr>
+            <p:ph type="subTitle" idx="1"/>
+          </p:nvPr>
+        </p:nvSpPr>
+        <p:spPr>
+          <a:xfrm>
+            <a:off x="251520" y="764704"/>
+            <a:ext cx="8640960" cy="6480720"/>
+          </a:xfrm>
+        </p:spPr>
+        <p:txBody>
+          <a:bodyPr>
+            <a:noAutofit/>
+          </a:bodyPr>
+          <a:lstStyle/>
+          <a:p>
+            <a:r>
+              <a:rPr lang="en-GB" sz="4000" dirty="0">
+                <a:solidFill>
+                  <a:schemeClr val="bg1"/>
+                </a:solidFill>
+              </a:rPr>
+              <a:t>In my Father's house</a:t>
+            </a:r>
+          </a:p>
+          <a:p>
+            <a:r>
+              <a:rPr lang="en-GB" sz="4000" dirty="0">
+                <a:solidFill>
+                  <a:schemeClr val="bg1"/>
+                </a:solidFill>
+              </a:rPr>
+              <a:t>There's a place for me</a:t>
+            </a:r>
+          </a:p>
+          <a:p>
+            <a:r>
+              <a:rPr lang="en-GB" sz="4000" dirty="0">
+                <a:solidFill>
+                  <a:schemeClr val="bg1"/>
+                </a:solidFill>
+              </a:rPr>
+              <a:t>I'm a child of God</a:t>
+            </a:r>
+          </a:p>
+          <a:p>
+            <a:r>
+              <a:rPr lang="en-GB" sz="4000" dirty="0">
+                <a:solidFill>
+                  <a:schemeClr val="bg1"/>
+                </a:solidFill>
+              </a:rPr>
+              <a:t>Yes I am</a:t>
+            </a:r>
+          </a:p>
+        </p:txBody>
+      </p:sp>
+      <p:sp>
+        <p:nvSpPr>
+          <p:cNvPr id="4" name="TextBox 3">
+            <a:extLst>
+              <a:ext uri="{FF2B5EF4-FFF2-40B4-BE49-F238E27FC236}">
+                <a16:creationId xmlns:a16="http://schemas.microsoft.com/office/drawing/2014/main" id="{D718670A-E796-2573-5212-32D0A00044B3}"/>
+              </a:ext>
+            </a:extLst>
+          </p:cNvPr>
+          <p:cNvSpPr txBox="1"/>
+          <p:nvPr/>
+        </p:nvSpPr>
+        <p:spPr>
+          <a:xfrm>
+            <a:off x="8529729" y="0"/>
+            <a:ext cx="628698" cy="461665"/>
+          </a:xfrm>
+          <a:prstGeom prst="rect">
+            <a:avLst/>
+          </a:prstGeom>
+          <a:noFill/>
+        </p:spPr>
+        <p:txBody>
+          <a:bodyPr wrap="none" rtlCol="0">
+            <a:spAutoFit/>
+          </a:bodyPr>
+          <a:lstStyle/>
+          <a:p>
+            <a:r>
+              <a:rPr lang="en-GB" sz="2400" b="1" dirty="0">
+                <a:solidFill>
+                  <a:schemeClr val="bg1"/>
+                </a:solidFill>
+              </a:rPr>
+              <a:t>8/8</a:t>
+            </a:r>
+          </a:p>
+        </p:txBody>
+      </p:sp>
+    </p:spTree>
+    <p:extLst>
+      <p:ext uri="{BB962C8B-B14F-4D97-AF65-F5344CB8AC3E}">
+        <p14:creationId xmlns:p14="http://schemas.microsoft.com/office/powerpoint/2010/main" val="3408336931"/>
       </p:ext>
     </p:extLst>
   </p:cSld>
